--- a/Gal汉化实例/[Gal汉化实例] YU-RIS引擎/Gal汉化实例.pptx
+++ b/Gal汉化实例/[Gal汉化实例] YU-RIS引擎/Gal汉化实例.pptx
@@ -15,6 +15,8 @@
     <p:sldId id="262" r:id="rId9"/>
     <p:sldId id="263" r:id="rId10"/>
     <p:sldId id="264" r:id="rId11"/>
+    <p:sldId id="268" r:id="rId12"/>
+    <p:sldId id="269" r:id="rId13"/>
   </p:sldIdLst>
   <p:sldSz cx="12192000" cy="6858000"/>
   <p:notesSz cx="6858000" cy="9144000"/>
@@ -252,7 +254,7 @@
           <a:p>
             <a:fld id="{2043D4B5-ACCD-4AA5-9466-B276B92C5C45}" type="datetimeFigureOut">
               <a:rPr lang="en-US" smtClean="0"/>
-              <a:t>7/11/2023</a:t>
+              <a:t>7/15/2023</a:t>
             </a:fld>
             <a:endParaRPr lang="en-US"/>
           </a:p>
@@ -425,7 +427,7 @@
           <a:p>
             <a:fld id="{2043D4B5-ACCD-4AA5-9466-B276B92C5C45}" type="datetimeFigureOut">
               <a:rPr lang="en-US" smtClean="0"/>
-              <a:t>7/11/2023</a:t>
+              <a:t>7/15/2023</a:t>
             </a:fld>
             <a:endParaRPr lang="en-US"/>
           </a:p>
@@ -608,7 +610,7 @@
           <a:p>
             <a:fld id="{2043D4B5-ACCD-4AA5-9466-B276B92C5C45}" type="datetimeFigureOut">
               <a:rPr lang="en-US" smtClean="0"/>
-              <a:t>7/11/2023</a:t>
+              <a:t>7/15/2023</a:t>
             </a:fld>
             <a:endParaRPr lang="en-US"/>
           </a:p>
@@ -781,7 +783,7 @@
           <a:p>
             <a:fld id="{2043D4B5-ACCD-4AA5-9466-B276B92C5C45}" type="datetimeFigureOut">
               <a:rPr lang="en-US" smtClean="0"/>
-              <a:t>7/11/2023</a:t>
+              <a:t>7/15/2023</a:t>
             </a:fld>
             <a:endParaRPr lang="en-US"/>
           </a:p>
@@ -1030,7 +1032,7 @@
           <a:p>
             <a:fld id="{2043D4B5-ACCD-4AA5-9466-B276B92C5C45}" type="datetimeFigureOut">
               <a:rPr lang="en-US" smtClean="0"/>
-              <a:t>7/11/2023</a:t>
+              <a:t>7/15/2023</a:t>
             </a:fld>
             <a:endParaRPr lang="en-US"/>
           </a:p>
@@ -1265,7 +1267,7 @@
           <a:p>
             <a:fld id="{2043D4B5-ACCD-4AA5-9466-B276B92C5C45}" type="datetimeFigureOut">
               <a:rPr lang="en-US" smtClean="0"/>
-              <a:t>7/11/2023</a:t>
+              <a:t>7/15/2023</a:t>
             </a:fld>
             <a:endParaRPr lang="en-US"/>
           </a:p>
@@ -1635,7 +1637,7 @@
           <a:p>
             <a:fld id="{2043D4B5-ACCD-4AA5-9466-B276B92C5C45}" type="datetimeFigureOut">
               <a:rPr lang="en-US" smtClean="0"/>
-              <a:t>7/11/2023</a:t>
+              <a:t>7/15/2023</a:t>
             </a:fld>
             <a:endParaRPr lang="en-US"/>
           </a:p>
@@ -1756,7 +1758,7 @@
           <a:p>
             <a:fld id="{2043D4B5-ACCD-4AA5-9466-B276B92C5C45}" type="datetimeFigureOut">
               <a:rPr lang="en-US" smtClean="0"/>
-              <a:t>7/11/2023</a:t>
+              <a:t>7/15/2023</a:t>
             </a:fld>
             <a:endParaRPr lang="en-US"/>
           </a:p>
@@ -1854,7 +1856,7 @@
           <a:p>
             <a:fld id="{2043D4B5-ACCD-4AA5-9466-B276B92C5C45}" type="datetimeFigureOut">
               <a:rPr lang="en-US" smtClean="0"/>
-              <a:t>7/11/2023</a:t>
+              <a:t>7/15/2023</a:t>
             </a:fld>
             <a:endParaRPr lang="en-US"/>
           </a:p>
@@ -2134,7 +2136,7 @@
           <a:p>
             <a:fld id="{2043D4B5-ACCD-4AA5-9466-B276B92C5C45}" type="datetimeFigureOut">
               <a:rPr lang="en-US" smtClean="0"/>
-              <a:t>7/11/2023</a:t>
+              <a:t>7/15/2023</a:t>
             </a:fld>
             <a:endParaRPr lang="en-US"/>
           </a:p>
@@ -2390,7 +2392,7 @@
           <a:p>
             <a:fld id="{2043D4B5-ACCD-4AA5-9466-B276B92C5C45}" type="datetimeFigureOut">
               <a:rPr lang="en-US" smtClean="0"/>
-              <a:t>7/11/2023</a:t>
+              <a:t>7/15/2023</a:t>
             </a:fld>
             <a:endParaRPr lang="en-US"/>
           </a:p>
@@ -2615,7 +2617,7 @@
           <a:p>
             <a:fld id="{2043D4B5-ACCD-4AA5-9466-B276B92C5C45}" type="datetimeFigureOut">
               <a:rPr lang="en-US" smtClean="0"/>
-              <a:t>7/11/2023</a:t>
+              <a:t>7/15/2023</a:t>
             </a:fld>
             <a:endParaRPr lang="en-US"/>
           </a:p>
@@ -3351,13 +3353,6 @@
               </a:rPr>
               <a:t>1</a:t>
             </a:r>
-            <a:endParaRPr lang="en-US" altLang="zh-CN" sz="3600" b="1" smtClean="0">
-              <a:solidFill>
-                <a:schemeClr val="bg1"/>
-              </a:solidFill>
-              <a:latin typeface="微软雅黑" panose="020B0503020204020204" pitchFamily="34" charset="-122"/>
-              <a:ea typeface="微软雅黑" panose="020B0503020204020204" pitchFamily="34" charset="-122"/>
-            </a:endParaRPr>
           </a:p>
         </p:txBody>
       </p:sp>
@@ -3563,7 +3558,6 @@
               <a:rPr lang="en-US"/>
               <a:t>Dir-A_220529</a:t>
             </a:r>
-            <a:endParaRPr lang="en-US"/>
           </a:p>
         </p:txBody>
       </p:sp>
@@ -3571,6 +3565,962 @@
     <p:extLst>
       <p:ext uri="{BB962C8B-B14F-4D97-AF65-F5344CB8AC3E}">
         <p14:creationId xmlns:p14="http://schemas.microsoft.com/office/powerpoint/2010/main" val="3873344799"/>
+      </p:ext>
+    </p:extLst>
+  </p:cSld>
+  <p:clrMapOvr>
+    <a:masterClrMapping/>
+  </p:clrMapOvr>
+  <p:transition spd="med">
+    <p:pull/>
+  </p:transition>
+  <p:timing>
+    <p:tnLst>
+      <p:par>
+        <p:cTn id="1" dur="indefinite" restart="never" nodeType="tmRoot"/>
+      </p:par>
+    </p:tnLst>
+  </p:timing>
+</p:sld>
+</file>
+
+<file path=ppt/slides/slide11.xml><?xml version="1.0" encoding="utf-8"?>
+<p:sld xmlns:a="http://schemas.openxmlformats.org/drawingml/2006/main" xmlns:r="http://schemas.openxmlformats.org/officeDocument/2006/relationships" xmlns:p="http://schemas.openxmlformats.org/presentationml/2006/main">
+  <p:cSld>
+    <p:spTree>
+      <p:nvGrpSpPr>
+        <p:cNvPr id="1" name=""/>
+        <p:cNvGrpSpPr/>
+        <p:nvPr/>
+      </p:nvGrpSpPr>
+      <p:grpSpPr>
+        <a:xfrm>
+          <a:off x="0" y="0"/>
+          <a:ext cx="0" cy="0"/>
+          <a:chOff x="0" y="0"/>
+          <a:chExt cx="0" cy="0"/>
+        </a:xfrm>
+      </p:grpSpPr>
+      <p:sp>
+        <p:nvSpPr>
+          <p:cNvPr id="2" name="文本框 1"/>
+          <p:cNvSpPr txBox="1"/>
+          <p:nvPr/>
+        </p:nvSpPr>
+        <p:spPr>
+          <a:xfrm>
+            <a:off x="595222" y="379562"/>
+            <a:ext cx="3933646" cy="646331"/>
+          </a:xfrm>
+          <a:prstGeom prst="rect">
+            <a:avLst/>
+          </a:prstGeom>
+          <a:noFill/>
+        </p:spPr>
+        <p:txBody>
+          <a:bodyPr wrap="square" rtlCol="0">
+            <a:spAutoFit/>
+          </a:bodyPr>
+          <a:lstStyle/>
+          <a:p>
+            <a:r>
+              <a:rPr lang="en-US" altLang="zh-CN" sz="3600" b="1">
+                <a:solidFill>
+                  <a:schemeClr val="bg1"/>
+                </a:solidFill>
+                <a:latin typeface="微软雅黑" panose="020B0503020204020204" pitchFamily="34" charset="-122"/>
+                <a:ea typeface="微软雅黑" panose="020B0503020204020204" pitchFamily="34" charset="-122"/>
+              </a:rPr>
+              <a:t>4</a:t>
+            </a:r>
+            <a:r>
+              <a:rPr lang="zh-CN" altLang="en-US" sz="3600" b="1" smtClean="0">
+                <a:solidFill>
+                  <a:schemeClr val="bg1"/>
+                </a:solidFill>
+                <a:latin typeface="微软雅黑" panose="020B0503020204020204" pitchFamily="34" charset="-122"/>
+                <a:ea typeface="微软雅黑" panose="020B0503020204020204" pitchFamily="34" charset="-122"/>
+              </a:rPr>
+              <a:t>、修改范围检测</a:t>
+            </a:r>
+            <a:endParaRPr lang="en-US" sz="3600" b="1">
+              <a:solidFill>
+                <a:schemeClr val="bg1"/>
+              </a:solidFill>
+              <a:latin typeface="微软雅黑" panose="020B0503020204020204" pitchFamily="34" charset="-122"/>
+              <a:ea typeface="微软雅黑" panose="020B0503020204020204" pitchFamily="34" charset="-122"/>
+            </a:endParaRPr>
+          </a:p>
+        </p:txBody>
+      </p:sp>
+      <p:sp>
+        <p:nvSpPr>
+          <p:cNvPr id="3" name="文本框 2"/>
+          <p:cNvSpPr txBox="1"/>
+          <p:nvPr/>
+        </p:nvSpPr>
+        <p:spPr>
+          <a:xfrm>
+            <a:off x="4660948" y="2261422"/>
+            <a:ext cx="6486969" cy="369332"/>
+          </a:xfrm>
+          <a:prstGeom prst="rect">
+            <a:avLst/>
+          </a:prstGeom>
+          <a:solidFill>
+            <a:schemeClr val="tx1">
+              <a:alpha val="40000"/>
+            </a:schemeClr>
+          </a:solidFill>
+        </p:spPr>
+        <p:txBody>
+          <a:bodyPr wrap="none" rtlCol="0">
+            <a:spAutoFit/>
+          </a:bodyPr>
+          <a:lstStyle/>
+          <a:p>
+            <a:r>
+              <a:rPr lang="zh-CN" altLang="en-US" smtClean="0">
+                <a:solidFill>
+                  <a:schemeClr val="bg1"/>
+                </a:solidFill>
+                <a:latin typeface="微软雅黑" panose="020B0503020204020204" pitchFamily="34" charset="-122"/>
+                <a:ea typeface="微软雅黑" panose="020B0503020204020204" pitchFamily="34" charset="-122"/>
+              </a:rPr>
+              <a:t>使用</a:t>
+            </a:r>
+            <a:r>
+              <a:rPr lang="en-US" smtClean="0">
+                <a:solidFill>
+                  <a:schemeClr val="bg1"/>
+                </a:solidFill>
+                <a:latin typeface="微软雅黑" panose="020B0503020204020204" pitchFamily="34" charset="-122"/>
+                <a:ea typeface="微软雅黑" panose="020B0503020204020204" pitchFamily="34" charset="-122"/>
+              </a:rPr>
+              <a:t> </a:t>
+            </a:r>
+            <a:r>
+              <a:rPr lang="en-US" smtClean="0">
+                <a:solidFill>
+                  <a:srgbClr val="FFFF00"/>
+                </a:solidFill>
+                <a:latin typeface="微软雅黑" panose="020B0503020204020204" pitchFamily="34" charset="-122"/>
+                <a:ea typeface="微软雅黑" panose="020B0503020204020204" pitchFamily="34" charset="-122"/>
+              </a:rPr>
+              <a:t>Replace_RangTable.exe</a:t>
+            </a:r>
+            <a:r>
+              <a:rPr lang="en-US" smtClean="0">
+                <a:solidFill>
+                  <a:schemeClr val="bg1"/>
+                </a:solidFill>
+                <a:latin typeface="微软雅黑" panose="020B0503020204020204" pitchFamily="34" charset="-122"/>
+                <a:ea typeface="微软雅黑" panose="020B0503020204020204" pitchFamily="34" charset="-122"/>
+              </a:rPr>
+              <a:t> </a:t>
+            </a:r>
+            <a:r>
+              <a:rPr lang="zh-CN" altLang="en-US" smtClean="0">
+                <a:solidFill>
+                  <a:schemeClr val="bg1"/>
+                </a:solidFill>
+                <a:latin typeface="微软雅黑" panose="020B0503020204020204" pitchFamily="34" charset="-122"/>
+                <a:ea typeface="微软雅黑" panose="020B0503020204020204" pitchFamily="34" charset="-122"/>
+              </a:rPr>
+              <a:t>修改游戏内的</a:t>
+            </a:r>
+            <a:r>
+              <a:rPr lang="en-US" altLang="zh-CN" smtClean="0">
+                <a:solidFill>
+                  <a:schemeClr val="bg1"/>
+                </a:solidFill>
+                <a:latin typeface="微软雅黑" panose="020B0503020204020204" pitchFamily="34" charset="-122"/>
+                <a:ea typeface="微软雅黑" panose="020B0503020204020204" pitchFamily="34" charset="-122"/>
+              </a:rPr>
+              <a:t>SJIS_Rang_Table</a:t>
+            </a:r>
+            <a:endParaRPr lang="en-US">
+              <a:solidFill>
+                <a:schemeClr val="bg1"/>
+              </a:solidFill>
+              <a:latin typeface="微软雅黑" panose="020B0503020204020204" pitchFamily="34" charset="-122"/>
+              <a:ea typeface="微软雅黑" panose="020B0503020204020204" pitchFamily="34" charset="-122"/>
+            </a:endParaRPr>
+          </a:p>
+        </p:txBody>
+      </p:sp>
+      <p:pic>
+        <p:nvPicPr>
+          <p:cNvPr id="7" name="图片 6"/>
+          <p:cNvPicPr>
+            <a:picLocks noChangeAspect="1"/>
+          </p:cNvPicPr>
+          <p:nvPr/>
+        </p:nvPicPr>
+        <p:blipFill>
+          <a:blip r:embed="rId2">
+            <a:extLst>
+              <a:ext uri="{28A0092B-C50C-407E-A947-70E740481C1C}">
+                <a14:useLocalDpi xmlns:a14="http://schemas.microsoft.com/office/drawing/2010/main" val="0"/>
+              </a:ext>
+            </a:extLst>
+          </a:blip>
+          <a:stretch>
+            <a:fillRect/>
+          </a:stretch>
+        </p:blipFill>
+        <p:spPr>
+          <a:xfrm>
+            <a:off x="4660948" y="2907753"/>
+            <a:ext cx="6985329" cy="3428174"/>
+          </a:xfrm>
+          <a:prstGeom prst="rect">
+            <a:avLst/>
+          </a:prstGeom>
+        </p:spPr>
+      </p:pic>
+      <p:sp>
+        <p:nvSpPr>
+          <p:cNvPr id="9" name="文本框 8"/>
+          <p:cNvSpPr txBox="1"/>
+          <p:nvPr/>
+        </p:nvSpPr>
+        <p:spPr>
+          <a:xfrm>
+            <a:off x="510684" y="3106214"/>
+            <a:ext cx="3116879" cy="369332"/>
+          </a:xfrm>
+          <a:prstGeom prst="rect">
+            <a:avLst/>
+          </a:prstGeom>
+          <a:solidFill>
+            <a:schemeClr val="tx1">
+              <a:alpha val="40000"/>
+            </a:schemeClr>
+          </a:solidFill>
+        </p:spPr>
+        <p:txBody>
+          <a:bodyPr wrap="none" rtlCol="0">
+            <a:spAutoFit/>
+          </a:bodyPr>
+          <a:lstStyle/>
+          <a:p>
+            <a:r>
+              <a:rPr lang="zh-CN" altLang="en-US">
+                <a:solidFill>
+                  <a:schemeClr val="bg1"/>
+                </a:solidFill>
+                <a:latin typeface="微软雅黑" panose="020B0503020204020204" pitchFamily="34" charset="-122"/>
+                <a:ea typeface="微软雅黑" panose="020B0503020204020204" pitchFamily="34" charset="-122"/>
+              </a:rPr>
+              <a:t>如</a:t>
+            </a:r>
+            <a:r>
+              <a:rPr lang="zh-CN" altLang="en-US" smtClean="0">
+                <a:solidFill>
+                  <a:schemeClr val="bg1"/>
+                </a:solidFill>
+                <a:latin typeface="微软雅黑" panose="020B0503020204020204" pitchFamily="34" charset="-122"/>
+                <a:ea typeface="微软雅黑" panose="020B0503020204020204" pitchFamily="34" charset="-122"/>
+              </a:rPr>
+              <a:t>果有</a:t>
+            </a:r>
+            <a:r>
+              <a:rPr lang="en-US" altLang="zh-CN" smtClean="0">
+                <a:solidFill>
+                  <a:schemeClr val="bg1"/>
+                </a:solidFill>
+                <a:latin typeface="微软雅黑" panose="020B0503020204020204" pitchFamily="34" charset="-122"/>
+                <a:ea typeface="微软雅黑" panose="020B0503020204020204" pitchFamily="34" charset="-122"/>
+              </a:rPr>
+              <a:t>sc.ypf</a:t>
+            </a:r>
+            <a:r>
+              <a:rPr lang="zh-CN" altLang="en-US" smtClean="0">
+                <a:solidFill>
+                  <a:schemeClr val="bg1"/>
+                </a:solidFill>
+                <a:latin typeface="微软雅黑" panose="020B0503020204020204" pitchFamily="34" charset="-122"/>
+                <a:ea typeface="微软雅黑" panose="020B0503020204020204" pitchFamily="34" charset="-122"/>
+              </a:rPr>
+              <a:t>还需要继续修改</a:t>
+            </a:r>
+            <a:endParaRPr lang="en-US" altLang="zh-CN" smtClean="0">
+              <a:solidFill>
+                <a:schemeClr val="bg1"/>
+              </a:solidFill>
+              <a:latin typeface="微软雅黑" panose="020B0503020204020204" pitchFamily="34" charset="-122"/>
+              <a:ea typeface="微软雅黑" panose="020B0503020204020204" pitchFamily="34" charset="-122"/>
+            </a:endParaRPr>
+          </a:p>
+        </p:txBody>
+      </p:sp>
+      <p:cxnSp>
+        <p:nvCxnSpPr>
+          <p:cNvPr id="12" name="直接箭头连接符 11"/>
+          <p:cNvCxnSpPr>
+            <a:stCxn id="9" idx="3"/>
+            <a:endCxn id="7" idx="1"/>
+          </p:cNvCxnSpPr>
+          <p:nvPr/>
+        </p:nvCxnSpPr>
+        <p:spPr>
+          <a:xfrm>
+            <a:off x="3627563" y="3290880"/>
+            <a:ext cx="1033385" cy="1330960"/>
+          </a:xfrm>
+          <a:prstGeom prst="straightConnector1">
+            <a:avLst/>
+          </a:prstGeom>
+          <a:ln>
+            <a:solidFill>
+              <a:srgbClr val="FF0000"/>
+            </a:solidFill>
+            <a:tailEnd type="triangle"/>
+          </a:ln>
+        </p:spPr>
+        <p:style>
+          <a:lnRef idx="1">
+            <a:schemeClr val="accent1"/>
+          </a:lnRef>
+          <a:fillRef idx="0">
+            <a:schemeClr val="accent1"/>
+          </a:fillRef>
+          <a:effectRef idx="0">
+            <a:schemeClr val="accent1"/>
+          </a:effectRef>
+          <a:fontRef idx="minor">
+            <a:schemeClr val="tx1"/>
+          </a:fontRef>
+        </p:style>
+      </p:cxnSp>
+      <p:sp>
+        <p:nvSpPr>
+          <p:cNvPr id="30" name="文本框 29"/>
+          <p:cNvSpPr txBox="1"/>
+          <p:nvPr/>
+        </p:nvSpPr>
+        <p:spPr>
+          <a:xfrm>
+            <a:off x="510684" y="2261422"/>
+            <a:ext cx="2954655" cy="369332"/>
+          </a:xfrm>
+          <a:prstGeom prst="rect">
+            <a:avLst/>
+          </a:prstGeom>
+          <a:solidFill>
+            <a:schemeClr val="tx1">
+              <a:alpha val="40000"/>
+            </a:schemeClr>
+          </a:solidFill>
+        </p:spPr>
+        <p:txBody>
+          <a:bodyPr wrap="none" rtlCol="0">
+            <a:spAutoFit/>
+          </a:bodyPr>
+          <a:lstStyle/>
+          <a:p>
+            <a:r>
+              <a:rPr lang="zh-CN" altLang="en-US" smtClean="0">
+                <a:solidFill>
+                  <a:schemeClr val="bg1"/>
+                </a:solidFill>
+                <a:latin typeface="微软雅黑" panose="020B0503020204020204" pitchFamily="34" charset="-122"/>
+                <a:ea typeface="微软雅黑" panose="020B0503020204020204" pitchFamily="34" charset="-122"/>
+              </a:rPr>
+              <a:t>所以版本都需要修改这个表</a:t>
+            </a:r>
+            <a:endParaRPr lang="en-US" altLang="zh-CN" smtClean="0">
+              <a:solidFill>
+                <a:schemeClr val="bg1"/>
+              </a:solidFill>
+              <a:latin typeface="微软雅黑" panose="020B0503020204020204" pitchFamily="34" charset="-122"/>
+              <a:ea typeface="微软雅黑" panose="020B0503020204020204" pitchFamily="34" charset="-122"/>
+            </a:endParaRPr>
+          </a:p>
+        </p:txBody>
+      </p:sp>
+      <p:cxnSp>
+        <p:nvCxnSpPr>
+          <p:cNvPr id="31" name="直接箭头连接符 30"/>
+          <p:cNvCxnSpPr>
+            <a:stCxn id="30" idx="3"/>
+            <a:endCxn id="3" idx="1"/>
+          </p:cNvCxnSpPr>
+          <p:nvPr/>
+        </p:nvCxnSpPr>
+        <p:spPr>
+          <a:xfrm>
+            <a:off x="3465339" y="2446088"/>
+            <a:ext cx="1195609" cy="0"/>
+          </a:xfrm>
+          <a:prstGeom prst="straightConnector1">
+            <a:avLst/>
+          </a:prstGeom>
+          <a:ln>
+            <a:solidFill>
+              <a:srgbClr val="FF0000"/>
+            </a:solidFill>
+            <a:tailEnd type="triangle"/>
+          </a:ln>
+        </p:spPr>
+        <p:style>
+          <a:lnRef idx="1">
+            <a:schemeClr val="accent1"/>
+          </a:lnRef>
+          <a:fillRef idx="0">
+            <a:schemeClr val="accent1"/>
+          </a:fillRef>
+          <a:effectRef idx="0">
+            <a:schemeClr val="accent1"/>
+          </a:effectRef>
+          <a:fontRef idx="minor">
+            <a:schemeClr val="tx1"/>
+          </a:fontRef>
+        </p:style>
+      </p:cxnSp>
+      <p:sp>
+        <p:nvSpPr>
+          <p:cNvPr id="38" name="文本框 37"/>
+          <p:cNvSpPr txBox="1"/>
+          <p:nvPr/>
+        </p:nvSpPr>
+        <p:spPr>
+          <a:xfrm>
+            <a:off x="924418" y="4964534"/>
+            <a:ext cx="2541080" cy="369332"/>
+          </a:xfrm>
+          <a:prstGeom prst="rect">
+            <a:avLst/>
+          </a:prstGeom>
+          <a:solidFill>
+            <a:schemeClr val="tx1">
+              <a:alpha val="40000"/>
+            </a:schemeClr>
+          </a:solidFill>
+        </p:spPr>
+        <p:txBody>
+          <a:bodyPr wrap="none" rtlCol="0">
+            <a:spAutoFit/>
+          </a:bodyPr>
+          <a:lstStyle/>
+          <a:p>
+            <a:r>
+              <a:rPr lang="zh-CN" altLang="en-US" smtClean="0">
+                <a:solidFill>
+                  <a:schemeClr val="bg1"/>
+                </a:solidFill>
+                <a:latin typeface="微软雅黑" panose="020B0503020204020204" pitchFamily="34" charset="-122"/>
+                <a:ea typeface="微软雅黑" panose="020B0503020204020204" pitchFamily="34" charset="-122"/>
+              </a:rPr>
+              <a:t>修改</a:t>
+            </a:r>
+            <a:r>
+              <a:rPr lang="en-US" altLang="zh-CN" smtClean="0">
+                <a:solidFill>
+                  <a:schemeClr val="bg1"/>
+                </a:solidFill>
+                <a:latin typeface="微软雅黑" panose="020B0503020204020204" pitchFamily="34" charset="-122"/>
+                <a:ea typeface="微软雅黑" panose="020B0503020204020204" pitchFamily="34" charset="-122"/>
+              </a:rPr>
+              <a:t>0x9F</a:t>
+            </a:r>
+            <a:r>
+              <a:rPr lang="zh-CN" altLang="en-US" smtClean="0">
+                <a:solidFill>
+                  <a:schemeClr val="bg1"/>
+                </a:solidFill>
+                <a:latin typeface="微软雅黑" panose="020B0503020204020204" pitchFamily="34" charset="-122"/>
+                <a:ea typeface="微软雅黑" panose="020B0503020204020204" pitchFamily="34" charset="-122"/>
+              </a:rPr>
+              <a:t>这种经典边界</a:t>
+            </a:r>
+            <a:endParaRPr lang="en-US" altLang="zh-CN" smtClean="0">
+              <a:solidFill>
+                <a:schemeClr val="bg1"/>
+              </a:solidFill>
+              <a:latin typeface="微软雅黑" panose="020B0503020204020204" pitchFamily="34" charset="-122"/>
+              <a:ea typeface="微软雅黑" panose="020B0503020204020204" pitchFamily="34" charset="-122"/>
+            </a:endParaRPr>
+          </a:p>
+        </p:txBody>
+      </p:sp>
+      <p:cxnSp>
+        <p:nvCxnSpPr>
+          <p:cNvPr id="39" name="直接箭头连接符 38"/>
+          <p:cNvCxnSpPr>
+            <a:stCxn id="9" idx="2"/>
+            <a:endCxn id="38" idx="0"/>
+          </p:cNvCxnSpPr>
+          <p:nvPr/>
+        </p:nvCxnSpPr>
+        <p:spPr>
+          <a:xfrm>
+            <a:off x="2069124" y="3475546"/>
+            <a:ext cx="125834" cy="1488988"/>
+          </a:xfrm>
+          <a:prstGeom prst="straightConnector1">
+            <a:avLst/>
+          </a:prstGeom>
+          <a:ln>
+            <a:solidFill>
+              <a:srgbClr val="FF0000"/>
+            </a:solidFill>
+            <a:tailEnd type="triangle"/>
+          </a:ln>
+        </p:spPr>
+        <p:style>
+          <a:lnRef idx="1">
+            <a:schemeClr val="accent1"/>
+          </a:lnRef>
+          <a:fillRef idx="0">
+            <a:schemeClr val="accent1"/>
+          </a:fillRef>
+          <a:effectRef idx="0">
+            <a:schemeClr val="accent1"/>
+          </a:effectRef>
+          <a:fontRef idx="minor">
+            <a:schemeClr val="tx1"/>
+          </a:fontRef>
+        </p:style>
+      </p:cxnSp>
+    </p:spTree>
+    <p:extLst>
+      <p:ext uri="{BB962C8B-B14F-4D97-AF65-F5344CB8AC3E}">
+        <p14:creationId xmlns:p14="http://schemas.microsoft.com/office/powerpoint/2010/main" val="3906267278"/>
+      </p:ext>
+    </p:extLst>
+  </p:cSld>
+  <p:clrMapOvr>
+    <a:masterClrMapping/>
+  </p:clrMapOvr>
+  <p:transition spd="med">
+    <p:pull/>
+  </p:transition>
+  <p:timing>
+    <p:tnLst>
+      <p:par>
+        <p:cTn id="1" dur="indefinite" restart="never" nodeType="tmRoot"/>
+      </p:par>
+    </p:tnLst>
+  </p:timing>
+</p:sld>
+</file>
+
+<file path=ppt/slides/slide12.xml><?xml version="1.0" encoding="utf-8"?>
+<p:sld xmlns:a="http://schemas.openxmlformats.org/drawingml/2006/main" xmlns:r="http://schemas.openxmlformats.org/officeDocument/2006/relationships" xmlns:p="http://schemas.openxmlformats.org/presentationml/2006/main">
+  <p:cSld>
+    <p:spTree>
+      <p:nvGrpSpPr>
+        <p:cNvPr id="1" name=""/>
+        <p:cNvGrpSpPr/>
+        <p:nvPr/>
+      </p:nvGrpSpPr>
+      <p:grpSpPr>
+        <a:xfrm>
+          <a:off x="0" y="0"/>
+          <a:ext cx="0" cy="0"/>
+          <a:chOff x="0" y="0"/>
+          <a:chExt cx="0" cy="0"/>
+        </a:xfrm>
+      </p:grpSpPr>
+      <p:sp>
+        <p:nvSpPr>
+          <p:cNvPr id="2" name="文本框 1"/>
+          <p:cNvSpPr txBox="1"/>
+          <p:nvPr/>
+        </p:nvSpPr>
+        <p:spPr>
+          <a:xfrm>
+            <a:off x="595222" y="379562"/>
+            <a:ext cx="5632858" cy="646331"/>
+          </a:xfrm>
+          <a:prstGeom prst="rect">
+            <a:avLst/>
+          </a:prstGeom>
+          <a:noFill/>
+        </p:spPr>
+        <p:txBody>
+          <a:bodyPr wrap="square" rtlCol="0">
+            <a:spAutoFit/>
+          </a:bodyPr>
+          <a:lstStyle/>
+          <a:p>
+            <a:r>
+              <a:rPr lang="en-US" altLang="zh-CN" sz="3600" b="1" smtClean="0">
+                <a:solidFill>
+                  <a:schemeClr val="bg1"/>
+                </a:solidFill>
+                <a:latin typeface="微软雅黑" panose="020B0503020204020204" pitchFamily="34" charset="-122"/>
+                <a:ea typeface="微软雅黑" panose="020B0503020204020204" pitchFamily="34" charset="-122"/>
+              </a:rPr>
+              <a:t>5</a:t>
+            </a:r>
+            <a:r>
+              <a:rPr lang="zh-CN" altLang="en-US" sz="3600" b="1">
+                <a:solidFill>
+                  <a:schemeClr val="bg1"/>
+                </a:solidFill>
+                <a:latin typeface="微软雅黑" panose="020B0503020204020204" pitchFamily="34" charset="-122"/>
+                <a:ea typeface="微软雅黑" panose="020B0503020204020204" pitchFamily="34" charset="-122"/>
+              </a:rPr>
+              <a:t>、免封包</a:t>
+            </a:r>
+            <a:r>
+              <a:rPr lang="en-US" altLang="zh-CN" sz="3600" b="1">
+                <a:solidFill>
+                  <a:schemeClr val="bg1"/>
+                </a:solidFill>
+                <a:latin typeface="微软雅黑" panose="020B0503020204020204" pitchFamily="34" charset="-122"/>
+                <a:ea typeface="微软雅黑" panose="020B0503020204020204" pitchFamily="34" charset="-122"/>
+              </a:rPr>
+              <a:t>&amp;</a:t>
+            </a:r>
+            <a:r>
+              <a:rPr lang="zh-CN" altLang="en-US" sz="3600" b="1">
+                <a:solidFill>
+                  <a:schemeClr val="bg1"/>
+                </a:solidFill>
+                <a:latin typeface="微软雅黑" panose="020B0503020204020204" pitchFamily="34" charset="-122"/>
+                <a:ea typeface="微软雅黑" panose="020B0503020204020204" pitchFamily="34" charset="-122"/>
+              </a:rPr>
+              <a:t>字体修改</a:t>
+            </a:r>
+            <a:endParaRPr lang="en-US" sz="3600" b="1">
+              <a:solidFill>
+                <a:schemeClr val="bg1"/>
+              </a:solidFill>
+              <a:latin typeface="微软雅黑" panose="020B0503020204020204" pitchFamily="34" charset="-122"/>
+              <a:ea typeface="微软雅黑" panose="020B0503020204020204" pitchFamily="34" charset="-122"/>
+            </a:endParaRPr>
+          </a:p>
+        </p:txBody>
+      </p:sp>
+      <p:sp>
+        <p:nvSpPr>
+          <p:cNvPr id="4" name="圆角矩形 3"/>
+          <p:cNvSpPr/>
+          <p:nvPr/>
+        </p:nvSpPr>
+        <p:spPr>
+          <a:xfrm>
+            <a:off x="4841240" y="2286000"/>
+            <a:ext cx="3515360" cy="497840"/>
+          </a:xfrm>
+          <a:prstGeom prst="roundRect">
+            <a:avLst/>
+          </a:prstGeom>
+          <a:solidFill>
+            <a:schemeClr val="tx1">
+              <a:alpha val="40000"/>
+            </a:schemeClr>
+          </a:solidFill>
+          <a:ln>
+            <a:noFill/>
+          </a:ln>
+        </p:spPr>
+        <p:style>
+          <a:lnRef idx="2">
+            <a:schemeClr val="accent1">
+              <a:shade val="50000"/>
+            </a:schemeClr>
+          </a:lnRef>
+          <a:fillRef idx="1">
+            <a:schemeClr val="accent1"/>
+          </a:fillRef>
+          <a:effectRef idx="0">
+            <a:schemeClr val="accent1"/>
+          </a:effectRef>
+          <a:fontRef idx="minor">
+            <a:schemeClr val="lt1"/>
+          </a:fontRef>
+        </p:style>
+        <p:txBody>
+          <a:bodyPr rtlCol="0" anchor="ctr"/>
+          <a:lstStyle/>
+          <a:p>
+            <a:pPr algn="ctr"/>
+            <a:r>
+              <a:rPr lang="zh-CN" altLang="en-US" smtClean="0">
+                <a:latin typeface="微软雅黑" panose="020B0503020204020204" pitchFamily="34" charset="-122"/>
+                <a:ea typeface="微软雅黑" panose="020B0503020204020204" pitchFamily="34" charset="-122"/>
+              </a:rPr>
+              <a:t>老版本不需要修改，默认免封包</a:t>
+            </a:r>
+            <a:endParaRPr lang="en-US">
+              <a:latin typeface="微软雅黑" panose="020B0503020204020204" pitchFamily="34" charset="-122"/>
+              <a:ea typeface="微软雅黑" panose="020B0503020204020204" pitchFamily="34" charset="-122"/>
+            </a:endParaRPr>
+          </a:p>
+        </p:txBody>
+      </p:sp>
+      <p:sp>
+        <p:nvSpPr>
+          <p:cNvPr id="6" name="圆角矩形 5"/>
+          <p:cNvSpPr/>
+          <p:nvPr/>
+        </p:nvSpPr>
+        <p:spPr>
+          <a:xfrm>
+            <a:off x="2489200" y="3220987"/>
+            <a:ext cx="7934960" cy="1706880"/>
+          </a:xfrm>
+          <a:prstGeom prst="roundRect">
+            <a:avLst/>
+          </a:prstGeom>
+          <a:solidFill>
+            <a:schemeClr val="tx1">
+              <a:alpha val="40000"/>
+            </a:schemeClr>
+          </a:solidFill>
+          <a:ln>
+            <a:noFill/>
+          </a:ln>
+        </p:spPr>
+        <p:style>
+          <a:lnRef idx="2">
+            <a:schemeClr val="accent1">
+              <a:shade val="50000"/>
+            </a:schemeClr>
+          </a:lnRef>
+          <a:fillRef idx="1">
+            <a:schemeClr val="accent1"/>
+          </a:fillRef>
+          <a:effectRef idx="0">
+            <a:schemeClr val="accent1"/>
+          </a:effectRef>
+          <a:fontRef idx="minor">
+            <a:schemeClr val="lt1"/>
+          </a:fontRef>
+        </p:style>
+        <p:txBody>
+          <a:bodyPr rtlCol="0" anchor="ctr"/>
+          <a:lstStyle/>
+          <a:p>
+            <a:r>
+              <a:rPr lang="en-US" smtClean="0">
+                <a:latin typeface="微软雅黑" panose="020B0503020204020204" pitchFamily="34" charset="-122"/>
+                <a:ea typeface="微软雅黑" panose="020B0503020204020204" pitchFamily="34" charset="-122"/>
+              </a:rPr>
+              <a:t>0</a:t>
+            </a:r>
+            <a:r>
+              <a:rPr lang="en-US" altLang="zh-CN" smtClean="0">
+                <a:latin typeface="微软雅黑" panose="020B0503020204020204" pitchFamily="34" charset="-122"/>
+                <a:ea typeface="微软雅黑" panose="020B0503020204020204" pitchFamily="34" charset="-122"/>
+              </a:rPr>
+              <a:t>x0</a:t>
+            </a:r>
+            <a:r>
+              <a:rPr lang="zh-CN" altLang="en-US" smtClean="0">
+                <a:latin typeface="微软雅黑" panose="020B0503020204020204" pitchFamily="34" charset="-122"/>
+                <a:ea typeface="微软雅黑" panose="020B0503020204020204" pitchFamily="34" charset="-122"/>
+              </a:rPr>
+              <a:t>、解包脚本封包</a:t>
+            </a:r>
+            <a:endParaRPr lang="en-US" altLang="zh-CN" smtClean="0">
+              <a:latin typeface="微软雅黑" panose="020B0503020204020204" pitchFamily="34" charset="-122"/>
+              <a:ea typeface="微软雅黑" panose="020B0503020204020204" pitchFamily="34" charset="-122"/>
+            </a:endParaRPr>
+          </a:p>
+          <a:p>
+            <a:r>
+              <a:rPr lang="en-US" smtClean="0">
+                <a:latin typeface="微软雅黑" panose="020B0503020204020204" pitchFamily="34" charset="-122"/>
+                <a:ea typeface="微软雅黑" panose="020B0503020204020204" pitchFamily="34" charset="-122"/>
+              </a:rPr>
+              <a:t>0</a:t>
+            </a:r>
+            <a:r>
+              <a:rPr lang="en-US" altLang="zh-CN" smtClean="0">
+                <a:latin typeface="微软雅黑" panose="020B0503020204020204" pitchFamily="34" charset="-122"/>
+                <a:ea typeface="微软雅黑" panose="020B0503020204020204" pitchFamily="34" charset="-122"/>
+              </a:rPr>
+              <a:t>x1</a:t>
+            </a:r>
+            <a:r>
+              <a:rPr lang="zh-CN" altLang="en-US" smtClean="0">
+                <a:latin typeface="微软雅黑" panose="020B0503020204020204" pitchFamily="34" charset="-122"/>
+                <a:ea typeface="微软雅黑" panose="020B0503020204020204" pitchFamily="34" charset="-122"/>
+              </a:rPr>
+              <a:t>、把</a:t>
+            </a:r>
+            <a:r>
+              <a:rPr lang="en-US" altLang="zh-CN" smtClean="0">
+                <a:latin typeface="微软雅黑" panose="020B0503020204020204" pitchFamily="34" charset="-122"/>
+                <a:ea typeface="微软雅黑" panose="020B0503020204020204" pitchFamily="34" charset="-122"/>
+              </a:rPr>
+              <a:t>ysbin</a:t>
+            </a:r>
+            <a:r>
+              <a:rPr lang="zh-CN" altLang="en-US" smtClean="0">
+                <a:latin typeface="微软雅黑" panose="020B0503020204020204" pitchFamily="34" charset="-122"/>
+                <a:ea typeface="微软雅黑" panose="020B0503020204020204" pitchFamily="34" charset="-122"/>
+              </a:rPr>
+              <a:t>文件夹放到游戏主程序同目录下</a:t>
+            </a:r>
+            <a:endParaRPr lang="en-US" altLang="zh-CN" smtClean="0">
+              <a:latin typeface="微软雅黑" panose="020B0503020204020204" pitchFamily="34" charset="-122"/>
+              <a:ea typeface="微软雅黑" panose="020B0503020204020204" pitchFamily="34" charset="-122"/>
+            </a:endParaRPr>
+          </a:p>
+          <a:p>
+            <a:r>
+              <a:rPr lang="en-US" smtClean="0">
+                <a:latin typeface="微软雅黑" panose="020B0503020204020204" pitchFamily="34" charset="-122"/>
+                <a:ea typeface="微软雅黑" panose="020B0503020204020204" pitchFamily="34" charset="-122"/>
+              </a:rPr>
+              <a:t>0</a:t>
+            </a:r>
+            <a:r>
+              <a:rPr lang="en-US" altLang="zh-CN" smtClean="0">
+                <a:latin typeface="微软雅黑" panose="020B0503020204020204" pitchFamily="34" charset="-122"/>
+                <a:ea typeface="微软雅黑" panose="020B0503020204020204" pitchFamily="34" charset="-122"/>
+              </a:rPr>
+              <a:t>x2</a:t>
+            </a:r>
+            <a:r>
+              <a:rPr lang="zh-CN" altLang="en-US" smtClean="0">
+                <a:latin typeface="微软雅黑" panose="020B0503020204020204" pitchFamily="34" charset="-122"/>
+                <a:ea typeface="微软雅黑" panose="020B0503020204020204" pitchFamily="34" charset="-122"/>
+              </a:rPr>
+              <a:t>、修改</a:t>
+            </a:r>
+            <a:r>
+              <a:rPr lang="en-US" altLang="zh-CN">
+                <a:latin typeface="微软雅黑" panose="020B0503020204020204" pitchFamily="34" charset="-122"/>
+                <a:ea typeface="微软雅黑" panose="020B0503020204020204" pitchFamily="34" charset="-122"/>
+              </a:rPr>
+              <a:t>ysbin</a:t>
+            </a:r>
+            <a:r>
+              <a:rPr lang="zh-CN" altLang="en-US">
+                <a:latin typeface="微软雅黑" panose="020B0503020204020204" pitchFamily="34" charset="-122"/>
+                <a:ea typeface="微软雅黑" panose="020B0503020204020204" pitchFamily="34" charset="-122"/>
+              </a:rPr>
+              <a:t>文</a:t>
+            </a:r>
+            <a:r>
+              <a:rPr lang="zh-CN" altLang="en-US">
+                <a:latin typeface="微软雅黑" panose="020B0503020204020204" pitchFamily="34" charset="-122"/>
+                <a:ea typeface="微软雅黑" panose="020B0503020204020204" pitchFamily="34" charset="-122"/>
+              </a:rPr>
+              <a:t>件</a:t>
+            </a:r>
+            <a:r>
+              <a:rPr lang="zh-CN" altLang="en-US" smtClean="0">
+                <a:latin typeface="微软雅黑" panose="020B0503020204020204" pitchFamily="34" charset="-122"/>
+                <a:ea typeface="微软雅黑" panose="020B0503020204020204" pitchFamily="34" charset="-122"/>
+              </a:rPr>
+              <a:t>夹</a:t>
+            </a:r>
+            <a:r>
+              <a:rPr lang="zh-CN" altLang="en-US">
+                <a:latin typeface="微软雅黑" panose="020B0503020204020204" pitchFamily="34" charset="-122"/>
+                <a:ea typeface="微软雅黑" panose="020B0503020204020204" pitchFamily="34" charset="-122"/>
+              </a:rPr>
+              <a:t>下</a:t>
+            </a:r>
+            <a:r>
+              <a:rPr lang="en-US" altLang="zh-CN" smtClean="0">
+                <a:latin typeface="微软雅黑" panose="020B0503020204020204" pitchFamily="34" charset="-122"/>
+                <a:ea typeface="微软雅黑" panose="020B0503020204020204" pitchFamily="34" charset="-122"/>
+              </a:rPr>
+              <a:t>yscfg.ybn</a:t>
+            </a:r>
+            <a:r>
+              <a:rPr lang="zh-CN" altLang="en-US" smtClean="0">
+                <a:latin typeface="微软雅黑" panose="020B0503020204020204" pitchFamily="34" charset="-122"/>
+                <a:ea typeface="微软雅黑" panose="020B0503020204020204" pitchFamily="34" charset="-122"/>
+              </a:rPr>
+              <a:t>文件内的游戏标题</a:t>
+            </a:r>
+            <a:endParaRPr lang="en-US" altLang="zh-CN" smtClean="0">
+              <a:latin typeface="微软雅黑" panose="020B0503020204020204" pitchFamily="34" charset="-122"/>
+              <a:ea typeface="微软雅黑" panose="020B0503020204020204" pitchFamily="34" charset="-122"/>
+            </a:endParaRPr>
+          </a:p>
+          <a:p>
+            <a:r>
+              <a:rPr lang="en-US" smtClean="0">
+                <a:latin typeface="微软雅黑" panose="020B0503020204020204" pitchFamily="34" charset="-122"/>
+                <a:ea typeface="微软雅黑" panose="020B0503020204020204" pitchFamily="34" charset="-122"/>
+              </a:rPr>
+              <a:t>0</a:t>
+            </a:r>
+            <a:r>
+              <a:rPr lang="en-US" altLang="zh-CN" smtClean="0">
+                <a:latin typeface="微软雅黑" panose="020B0503020204020204" pitchFamily="34" charset="-122"/>
+                <a:ea typeface="微软雅黑" panose="020B0503020204020204" pitchFamily="34" charset="-122"/>
+              </a:rPr>
+              <a:t>x3</a:t>
+            </a:r>
+            <a:r>
+              <a:rPr lang="zh-CN" altLang="en-US" smtClean="0">
+                <a:latin typeface="微软雅黑" panose="020B0503020204020204" pitchFamily="34" charset="-122"/>
+                <a:ea typeface="微软雅黑" panose="020B0503020204020204" pitchFamily="34" charset="-122"/>
+              </a:rPr>
+              <a:t>、启动游戏查看游戏标题是否变化，如果变化直接修改</a:t>
+            </a:r>
+            <a:r>
+              <a:rPr lang="en-US" altLang="zh-CN" smtClean="0">
+                <a:latin typeface="微软雅黑" panose="020B0503020204020204" pitchFamily="34" charset="-122"/>
+                <a:ea typeface="微软雅黑" panose="020B0503020204020204" pitchFamily="34" charset="-122"/>
+              </a:rPr>
+              <a:t>yscfg.ybn</a:t>
+            </a:r>
+            <a:r>
+              <a:rPr lang="zh-CN" altLang="en-US" smtClean="0">
+                <a:latin typeface="微软雅黑" panose="020B0503020204020204" pitchFamily="34" charset="-122"/>
+                <a:ea typeface="微软雅黑" panose="020B0503020204020204" pitchFamily="34" charset="-122"/>
+              </a:rPr>
+              <a:t>文件</a:t>
+            </a:r>
+            <a:endParaRPr lang="en-US" altLang="zh-CN" smtClean="0">
+              <a:latin typeface="微软雅黑" panose="020B0503020204020204" pitchFamily="34" charset="-122"/>
+              <a:ea typeface="微软雅黑" panose="020B0503020204020204" pitchFamily="34" charset="-122"/>
+            </a:endParaRPr>
+          </a:p>
+          <a:p>
+            <a:r>
+              <a:rPr lang="en-US" altLang="zh-CN" smtClean="0">
+                <a:latin typeface="微软雅黑" panose="020B0503020204020204" pitchFamily="34" charset="-122"/>
+                <a:ea typeface="微软雅黑" panose="020B0503020204020204" pitchFamily="34" charset="-122"/>
+              </a:rPr>
+              <a:t>0x4</a:t>
+            </a:r>
+            <a:r>
+              <a:rPr lang="zh-CN" altLang="en-US" smtClean="0">
+                <a:latin typeface="微软雅黑" panose="020B0503020204020204" pitchFamily="34" charset="-122"/>
+                <a:ea typeface="微软雅黑" panose="020B0503020204020204" pitchFamily="34" charset="-122"/>
+              </a:rPr>
+              <a:t>、无变换则需要先开启</a:t>
+            </a:r>
+            <a:r>
+              <a:rPr lang="en-US" altLang="zh-CN" smtClean="0">
+                <a:latin typeface="微软雅黑" panose="020B0503020204020204" pitchFamily="34" charset="-122"/>
+                <a:ea typeface="微软雅黑" panose="020B0503020204020204" pitchFamily="34" charset="-122"/>
+              </a:rPr>
+              <a:t>yscfg.ybn</a:t>
+            </a:r>
+            <a:r>
+              <a:rPr lang="zh-CN" altLang="en-US" smtClean="0">
+                <a:latin typeface="微软雅黑" panose="020B0503020204020204" pitchFamily="34" charset="-122"/>
+                <a:ea typeface="微软雅黑" panose="020B0503020204020204" pitchFamily="34" charset="-122"/>
+              </a:rPr>
+              <a:t>文件的免封包读取</a:t>
+            </a:r>
+            <a:endParaRPr lang="en-US" altLang="zh-CN" smtClean="0">
+              <a:latin typeface="微软雅黑" panose="020B0503020204020204" pitchFamily="34" charset="-122"/>
+              <a:ea typeface="微软雅黑" panose="020B0503020204020204" pitchFamily="34" charset="-122"/>
+            </a:endParaRPr>
+          </a:p>
+        </p:txBody>
+      </p:sp>
+    </p:spTree>
+    <p:extLst>
+      <p:ext uri="{BB962C8B-B14F-4D97-AF65-F5344CB8AC3E}">
+        <p14:creationId xmlns:p14="http://schemas.microsoft.com/office/powerpoint/2010/main" val="784368006"/>
       </p:ext>
     </p:extLst>
   </p:cSld>
@@ -4097,6 +5047,26 @@
                 <a:ea typeface="微软雅黑" panose="020B0503020204020204" pitchFamily="34" charset="-122"/>
               </a:rPr>
               <a:t>包</a:t>
+            </a:r>
+            <a:r>
+              <a:rPr lang="en-US" altLang="zh-CN" sz="3600" b="1" smtClean="0">
+                <a:solidFill>
+                  <a:schemeClr val="bg1"/>
+                </a:solidFill>
+                <a:latin typeface="微软雅黑" panose="020B0503020204020204" pitchFamily="34" charset="-122"/>
+                <a:ea typeface="微软雅黑" panose="020B0503020204020204" pitchFamily="34" charset="-122"/>
+              </a:rPr>
+              <a:t>&amp;</a:t>
+            </a:r>
+            <a:r>
+              <a:rPr lang="zh-CN" altLang="en-US" sz="3600" b="1" smtClean="0">
+                <a:solidFill>
+                  <a:schemeClr val="bg1"/>
+                </a:solidFill>
+                <a:latin typeface="微软雅黑" panose="020B0503020204020204" pitchFamily="34" charset="-122"/>
+                <a:ea typeface="微软雅黑" panose="020B0503020204020204" pitchFamily="34" charset="-122"/>
+              </a:rPr>
+              <a:t>字体修改</a:t>
             </a:r>
             <a:endParaRPr lang="en-US" altLang="zh-CN" sz="3600" b="1">
               <a:solidFill>
